--- a/sd/qa/unit/data/pptx/croppedTo0.pptx
+++ b/sd/qa/unit/data/pptx/croppedTo0.pptx
@@ -261,7 +261,7 @@
           <a:p>
             <a:fld id="{E23B18BD-E89D-4033-AA0F-0DA6FE00DCCC}" type="datetimeFigureOut">
               <a:rPr lang="ru-RU" smtClean="0"/>
-              <a:t>17.06.2022</a:t>
+              <a:t>27.06.2022</a:t>
             </a:fld>
             <a:endParaRPr lang="ru-RU"/>
           </a:p>
@@ -461,7 +461,7 @@
           <a:p>
             <a:fld id="{E23B18BD-E89D-4033-AA0F-0DA6FE00DCCC}" type="datetimeFigureOut">
               <a:rPr lang="ru-RU" smtClean="0"/>
-              <a:t>17.06.2022</a:t>
+              <a:t>27.06.2022</a:t>
             </a:fld>
             <a:endParaRPr lang="ru-RU"/>
           </a:p>
@@ -671,7 +671,7 @@
           <a:p>
             <a:fld id="{E23B18BD-E89D-4033-AA0F-0DA6FE00DCCC}" type="datetimeFigureOut">
               <a:rPr lang="ru-RU" smtClean="0"/>
-              <a:t>17.06.2022</a:t>
+              <a:t>27.06.2022</a:t>
             </a:fld>
             <a:endParaRPr lang="ru-RU"/>
           </a:p>
@@ -871,7 +871,7 @@
           <a:p>
             <a:fld id="{E23B18BD-E89D-4033-AA0F-0DA6FE00DCCC}" type="datetimeFigureOut">
               <a:rPr lang="ru-RU" smtClean="0"/>
-              <a:t>17.06.2022</a:t>
+              <a:t>27.06.2022</a:t>
             </a:fld>
             <a:endParaRPr lang="ru-RU"/>
           </a:p>
@@ -1147,7 +1147,7 @@
           <a:p>
             <a:fld id="{E23B18BD-E89D-4033-AA0F-0DA6FE00DCCC}" type="datetimeFigureOut">
               <a:rPr lang="ru-RU" smtClean="0"/>
-              <a:t>17.06.2022</a:t>
+              <a:t>27.06.2022</a:t>
             </a:fld>
             <a:endParaRPr lang="ru-RU"/>
           </a:p>
@@ -1415,7 +1415,7 @@
           <a:p>
             <a:fld id="{E23B18BD-E89D-4033-AA0F-0DA6FE00DCCC}" type="datetimeFigureOut">
               <a:rPr lang="ru-RU" smtClean="0"/>
-              <a:t>17.06.2022</a:t>
+              <a:t>27.06.2022</a:t>
             </a:fld>
             <a:endParaRPr lang="ru-RU"/>
           </a:p>
@@ -1830,7 +1830,7 @@
           <a:p>
             <a:fld id="{E23B18BD-E89D-4033-AA0F-0DA6FE00DCCC}" type="datetimeFigureOut">
               <a:rPr lang="ru-RU" smtClean="0"/>
-              <a:t>17.06.2022</a:t>
+              <a:t>27.06.2022</a:t>
             </a:fld>
             <a:endParaRPr lang="ru-RU"/>
           </a:p>
@@ -1972,7 +1972,7 @@
           <a:p>
             <a:fld id="{E23B18BD-E89D-4033-AA0F-0DA6FE00DCCC}" type="datetimeFigureOut">
               <a:rPr lang="ru-RU" smtClean="0"/>
-              <a:t>17.06.2022</a:t>
+              <a:t>27.06.2022</a:t>
             </a:fld>
             <a:endParaRPr lang="ru-RU"/>
           </a:p>
@@ -2085,7 +2085,7 @@
           <a:p>
             <a:fld id="{E23B18BD-E89D-4033-AA0F-0DA6FE00DCCC}" type="datetimeFigureOut">
               <a:rPr lang="ru-RU" smtClean="0"/>
-              <a:t>17.06.2022</a:t>
+              <a:t>27.06.2022</a:t>
             </a:fld>
             <a:endParaRPr lang="ru-RU"/>
           </a:p>
@@ -2398,7 +2398,7 @@
           <a:p>
             <a:fld id="{E23B18BD-E89D-4033-AA0F-0DA6FE00DCCC}" type="datetimeFigureOut">
               <a:rPr lang="ru-RU" smtClean="0"/>
-              <a:t>17.06.2022</a:t>
+              <a:t>27.06.2022</a:t>
             </a:fld>
             <a:endParaRPr lang="ru-RU"/>
           </a:p>
@@ -2687,7 +2687,7 @@
           <a:p>
             <a:fld id="{E23B18BD-E89D-4033-AA0F-0DA6FE00DCCC}" type="datetimeFigureOut">
               <a:rPr lang="ru-RU" smtClean="0"/>
-              <a:t>17.06.2022</a:t>
+              <a:t>27.06.2022</a:t>
             </a:fld>
             <a:endParaRPr lang="ru-RU"/>
           </a:p>
@@ -2930,7 +2930,7 @@
           <a:p>
             <a:fld id="{E23B18BD-E89D-4033-AA0F-0DA6FE00DCCC}" type="datetimeFigureOut">
               <a:rPr lang="ru-RU" smtClean="0"/>
-              <a:t>17.06.2022</a:t>
+              <a:t>27.06.2022</a:t>
             </a:fld>
             <a:endParaRPr lang="ru-RU"/>
           </a:p>
@@ -3382,6 +3382,38 @@
           </a:prstGeom>
         </p:spPr>
       </p:pic>
+      <p:pic>
+        <p:nvPicPr>
+          <p:cNvPr id="3" name="Picture 2">
+            <a:extLst>
+              <a:ext uri="{FF2B5EF4-FFF2-40B4-BE49-F238E27FC236}">
+                <a16:creationId xmlns:a16="http://schemas.microsoft.com/office/drawing/2014/main" id="{EE6FD19B-A7DB-4CAB-4771-36D2C5238470}"/>
+              </a:ext>
+            </a:extLst>
+          </p:cNvPr>
+          <p:cNvPicPr>
+            <a:picLocks noChangeAspect="1"/>
+          </p:cNvPicPr>
+          <p:nvPr/>
+        </p:nvPicPr>
+        <p:blipFill rotWithShape="1">
+          <a:blip r:embed="rId3" cstate="print"/>
+          <a:srcRect l="42751" r="-1" b="12700"/>
+          <a:stretch/>
+        </p:blipFill>
+        <p:spPr>
+          <a:xfrm>
+            <a:off x="7042858" y="66675"/>
+            <a:ext cx="2043991" cy="2352675"/>
+          </a:xfrm>
+          <a:prstGeom prst="roundRect">
+            <a:avLst/>
+          </a:prstGeom>
+          <a:effectLst>
+            <a:softEdge rad="127000"/>
+          </a:effectLst>
+        </p:spPr>
+      </p:pic>
     </p:spTree>
     <p:extLst>
       <p:ext uri="{BB962C8B-B14F-4D97-AF65-F5344CB8AC3E}">
